--- a/PUM2/Wyk/Wyklad3.pptx
+++ b/PUM2/Wyk/Wyklad3.pptx
@@ -289,7 +289,7 @@
           <a:p>
             <a:fld id="{5113504E-0C99-2340-A5F6-DD6E1A87C372}" type="datetimeFigureOut">
               <a:rPr lang="pl-PL" smtClean="0"/>
-              <a:t>29.07.2025</a:t>
+              <a:t>2.10.2025</a:t>
             </a:fld>
             <a:endParaRPr lang="pl-PL"/>
           </a:p>
@@ -455,7 +455,7 @@
           <a:p>
             <a:fld id="{F78C933E-44E9-2D43-91B0-0D2BEEFA7EB9}" type="datetimeFigureOut">
               <a:rPr lang="pl-PL" smtClean="0"/>
-              <a:t>29.07.2025</a:t>
+              <a:t>2.10.2025</a:t>
             </a:fld>
             <a:endParaRPr lang="pl-PL"/>
           </a:p>
@@ -2873,7 +2873,7 @@
           <a:p>
             <a:fld id="{91017B01-0C30-B241-B19F-621BE4770608}" type="datetimeFigureOut">
               <a:rPr lang="pl-PL" smtClean="0"/>
-              <a:t>29.07.2025</a:t>
+              <a:t>2.10.2025</a:t>
             </a:fld>
             <a:endParaRPr lang="pl-PL"/>
           </a:p>
@@ -3042,7 +3042,7 @@
           <a:p>
             <a:fld id="{91017B01-0C30-B241-B19F-621BE4770608}" type="datetimeFigureOut">
               <a:rPr lang="pl-PL" smtClean="0"/>
-              <a:t>29.07.2025</a:t>
+              <a:t>2.10.2025</a:t>
             </a:fld>
             <a:endParaRPr lang="pl-PL"/>
           </a:p>
@@ -3221,7 +3221,7 @@
           <a:p>
             <a:fld id="{91017B01-0C30-B241-B19F-621BE4770608}" type="datetimeFigureOut">
               <a:rPr lang="pl-PL" smtClean="0"/>
-              <a:t>29.07.2025</a:t>
+              <a:t>2.10.2025</a:t>
             </a:fld>
             <a:endParaRPr lang="pl-PL"/>
           </a:p>
@@ -3390,7 +3390,7 @@
           <a:p>
             <a:fld id="{91017B01-0C30-B241-B19F-621BE4770608}" type="datetimeFigureOut">
               <a:rPr lang="pl-PL" smtClean="0"/>
-              <a:t>29.07.2025</a:t>
+              <a:t>2.10.2025</a:t>
             </a:fld>
             <a:endParaRPr lang="pl-PL"/>
           </a:p>
@@ -3636,7 +3636,7 @@
           <a:p>
             <a:fld id="{91017B01-0C30-B241-B19F-621BE4770608}" type="datetimeFigureOut">
               <a:rPr lang="pl-PL" smtClean="0"/>
-              <a:t>29.07.2025</a:t>
+              <a:t>2.10.2025</a:t>
             </a:fld>
             <a:endParaRPr lang="pl-PL"/>
           </a:p>
@@ -3922,7 +3922,7 @@
           <a:p>
             <a:fld id="{91017B01-0C30-B241-B19F-621BE4770608}" type="datetimeFigureOut">
               <a:rPr lang="pl-PL" smtClean="0"/>
-              <a:t>29.07.2025</a:t>
+              <a:t>2.10.2025</a:t>
             </a:fld>
             <a:endParaRPr lang="pl-PL"/>
           </a:p>
@@ -4342,7 +4342,7 @@
           <a:p>
             <a:fld id="{91017B01-0C30-B241-B19F-621BE4770608}" type="datetimeFigureOut">
               <a:rPr lang="pl-PL" smtClean="0"/>
-              <a:t>29.07.2025</a:t>
+              <a:t>2.10.2025</a:t>
             </a:fld>
             <a:endParaRPr lang="pl-PL"/>
           </a:p>
@@ -4460,7 +4460,7 @@
           <a:p>
             <a:fld id="{91017B01-0C30-B241-B19F-621BE4770608}" type="datetimeFigureOut">
               <a:rPr lang="pl-PL" smtClean="0"/>
-              <a:t>29.07.2025</a:t>
+              <a:t>2.10.2025</a:t>
             </a:fld>
             <a:endParaRPr lang="pl-PL"/>
           </a:p>
@@ -4556,7 +4556,7 @@
           <a:p>
             <a:fld id="{91017B01-0C30-B241-B19F-621BE4770608}" type="datetimeFigureOut">
               <a:rPr lang="pl-PL" smtClean="0"/>
-              <a:t>29.07.2025</a:t>
+              <a:t>2.10.2025</a:t>
             </a:fld>
             <a:endParaRPr lang="pl-PL"/>
           </a:p>
@@ -4833,7 +4833,7 @@
           <a:p>
             <a:fld id="{91017B01-0C30-B241-B19F-621BE4770608}" type="datetimeFigureOut">
               <a:rPr lang="pl-PL" smtClean="0"/>
-              <a:t>29.07.2025</a:t>
+              <a:t>2.10.2025</a:t>
             </a:fld>
             <a:endParaRPr lang="pl-PL"/>
           </a:p>
@@ -5089,7 +5089,7 @@
           <a:p>
             <a:fld id="{91017B01-0C30-B241-B19F-621BE4770608}" type="datetimeFigureOut">
               <a:rPr lang="pl-PL" smtClean="0"/>
-              <a:t>29.07.2025</a:t>
+              <a:t>2.10.2025</a:t>
             </a:fld>
             <a:endParaRPr lang="pl-PL"/>
           </a:p>
@@ -5301,7 +5301,7 @@
           <a:p>
             <a:fld id="{91017B01-0C30-B241-B19F-621BE4770608}" type="datetimeFigureOut">
               <a:rPr lang="pl-PL" smtClean="0"/>
-              <a:t>29.07.2025</a:t>
+              <a:t>2.10.2025</a:t>
             </a:fld>
             <a:endParaRPr lang="pl-PL"/>
           </a:p>
@@ -15806,279 +15806,6 @@
               <a:rPr lang="pl-PL" sz="1050" dirty="0"/>
               <a:t>https://www.xanthium.in/creating-threads-sharing-synchronizing-data-using-queue-lock-semaphore-python</a:t>
             </a:r>
-          </a:p>
-        </p:txBody>
-      </p:sp>
-      <p:sp>
-        <p:nvSpPr>
-          <p:cNvPr id="21" name="Rectangle 4">
-            <a:extLst>
-              <a:ext uri="{FF2B5EF4-FFF2-40B4-BE49-F238E27FC236}">
-                <a16:creationId xmlns:a16="http://schemas.microsoft.com/office/drawing/2014/main" id="{6CD683B3-9A9B-CF86-7BFF-9992300A6C04}"/>
-              </a:ext>
-            </a:extLst>
-          </p:cNvPr>
-          <p:cNvSpPr>
-            <a:spLocks noChangeArrowheads="1"/>
-          </p:cNvSpPr>
-          <p:nvPr/>
-        </p:nvSpPr>
-        <p:spPr bwMode="auto">
-          <a:xfrm>
-            <a:off x="0" y="0"/>
-            <a:ext cx="9144000" cy="0"/>
-          </a:xfrm>
-          <a:prstGeom prst="rect">
-            <a:avLst/>
-          </a:prstGeom>
-          <a:noFill/>
-          <a:ln>
-            <a:noFill/>
-          </a:ln>
-          <a:effectLst/>
-          <a:extLst>
-            <a:ext uri="{909E8E84-426E-40DD-AFC4-6F175D3DCCD1}">
-              <a14:hiddenFill xmlns:a14="http://schemas.microsoft.com/office/drawing/2010/main">
-                <a:solidFill>
-                  <a:schemeClr val="accent1"/>
-                </a:solidFill>
-              </a14:hiddenFill>
-            </a:ext>
-            <a:ext uri="{91240B29-F687-4F45-9708-019B960494DF}">
-              <a14:hiddenLine xmlns:a14="http://schemas.microsoft.com/office/drawing/2010/main" w="9525">
-                <a:solidFill>
-                  <a:schemeClr val="tx1"/>
-                </a:solidFill>
-                <a:miter lim="800000"/>
-                <a:headEnd/>
-                <a:tailEnd/>
-              </a14:hiddenLine>
-            </a:ext>
-            <a:ext uri="{AF507438-7753-43E0-B8FC-AC1667EBCBE1}">
-              <a14:hiddenEffects xmlns:a14="http://schemas.microsoft.com/office/drawing/2010/main">
-                <a:effectLst>
-                  <a:outerShdw dist="35921" dir="2700000" algn="ctr" rotWithShape="0">
-                    <a:schemeClr val="bg2"/>
-                  </a:outerShdw>
-                </a:effectLst>
-              </a14:hiddenEffects>
-            </a:ext>
-          </a:extLst>
-        </p:spPr>
-        <p:txBody>
-          <a:bodyPr vert="horz" wrap="none" lIns="91440" tIns="45720" rIns="91440" bIns="45720" numCol="1" anchor="ctr" anchorCtr="0" compatLnSpc="1">
-            <a:prstTxWarp prst="textNoShape">
-              <a:avLst/>
-            </a:prstTxWarp>
-            <a:spAutoFit/>
-          </a:bodyPr>
-          <a:lstStyle/>
-          <a:p>
-            <a:pPr marL="0" marR="0" lvl="0" indent="0" algn="l" defTabSz="914400" rtl="0" eaLnBrk="0" fontAlgn="base" latinLnBrk="0" hangingPunct="0">
-              <a:lnSpc>
-                <a:spcPct val="100000"/>
-              </a:lnSpc>
-              <a:spcBef>
-                <a:spcPct val="0"/>
-              </a:spcBef>
-              <a:spcAft>
-                <a:spcPct val="0"/>
-              </a:spcAft>
-              <a:buClrTx/>
-              <a:buSzTx/>
-              <a:buFontTx/>
-              <a:buChar char="•"/>
-              <a:tabLst/>
-            </a:pPr>
-            <a:r>
-              <a:rPr kumimoji="0" lang="pl-PL" altLang="pl-PL" sz="1000" b="0" i="0" u="none" strike="noStrike" cap="none" normalizeH="0" baseline="0">
-                <a:ln>
-                  <a:noFill/>
-                </a:ln>
-                <a:solidFill>
-                  <a:schemeClr val="tx1"/>
-                </a:solidFill>
-                <a:effectLst/>
-                <a:latin typeface="Arial Unicode MS"/>
-              </a:rPr>
-              <a:t>launch</a:t>
-            </a:r>
-            <a:r>
-              <a:rPr kumimoji="0" lang="pl-PL" altLang="pl-PL" sz="300" b="0" i="0" u="none" strike="noStrike" cap="none" normalizeH="0" baseline="0">
-                <a:ln>
-                  <a:noFill/>
-                </a:ln>
-                <a:solidFill>
-                  <a:schemeClr val="tx1"/>
-                </a:solidFill>
-                <a:effectLst/>
-              </a:rPr>
-              <a:t> zwraca obiekt typu </a:t>
-            </a:r>
-            <a:r>
-              <a:rPr kumimoji="0" lang="pl-PL" altLang="pl-PL" sz="1000" b="0" i="0" u="none" strike="noStrike" cap="none" normalizeH="0" baseline="0">
-                <a:ln>
-                  <a:noFill/>
-                </a:ln>
-                <a:solidFill>
-                  <a:schemeClr val="tx1"/>
-                </a:solidFill>
-                <a:effectLst/>
-                <a:latin typeface="Arial Unicode MS"/>
-              </a:rPr>
-              <a:t>Job</a:t>
-            </a:r>
-            <a:r>
-              <a:rPr kumimoji="0" lang="pl-PL" altLang="pl-PL" sz="300" b="0" i="0" u="none" strike="noStrike" cap="none" normalizeH="0" baseline="0">
-                <a:ln>
-                  <a:noFill/>
-                </a:ln>
-                <a:solidFill>
-                  <a:schemeClr val="tx1"/>
-                </a:solidFill>
-                <a:effectLst/>
-              </a:rPr>
-              <a:t>, który reprezentuje cykl życia korutyny.</a:t>
-            </a:r>
-            <a:endParaRPr kumimoji="0" lang="pl-PL" altLang="pl-PL" sz="1800" b="0" i="0" u="none" strike="noStrike" cap="none" normalizeH="0" baseline="0">
-              <a:ln>
-                <a:noFill/>
-              </a:ln>
-              <a:solidFill>
-                <a:schemeClr val="tx1"/>
-              </a:solidFill>
-              <a:effectLst/>
-              <a:latin typeface="Arial" panose="020B0604020202020204" pitchFamily="34" charset="0"/>
-            </a:endParaRPr>
-          </a:p>
-          <a:p>
-            <a:pPr marL="0" marR="0" lvl="0" indent="0" algn="l" defTabSz="914400" rtl="0" eaLnBrk="0" fontAlgn="base" latinLnBrk="0" hangingPunct="0">
-              <a:lnSpc>
-                <a:spcPct val="100000"/>
-              </a:lnSpc>
-              <a:spcBef>
-                <a:spcPct val="0"/>
-              </a:spcBef>
-              <a:spcAft>
-                <a:spcPct val="0"/>
-              </a:spcAft>
-              <a:buClrTx/>
-              <a:buSzTx/>
-              <a:buFontTx/>
-              <a:buChar char="•"/>
-              <a:tabLst/>
-            </a:pPr>
-            <a:r>
-              <a:rPr kumimoji="0" lang="pl-PL" altLang="pl-PL" sz="1000" b="0" i="0" u="none" strike="noStrike" cap="none" normalizeH="0" baseline="0">
-                <a:ln>
-                  <a:noFill/>
-                </a:ln>
-                <a:solidFill>
-                  <a:schemeClr val="tx1"/>
-                </a:solidFill>
-                <a:effectLst/>
-                <a:latin typeface="Arial Unicode MS"/>
-              </a:rPr>
-              <a:t>job.join()</a:t>
-            </a:r>
-            <a:r>
-              <a:rPr kumimoji="0" lang="pl-PL" altLang="pl-PL" sz="300" b="0" i="0" u="none" strike="noStrike" cap="none" normalizeH="0" baseline="0">
-                <a:ln>
-                  <a:noFill/>
-                </a:ln>
-                <a:solidFill>
-                  <a:schemeClr val="tx1"/>
-                </a:solidFill>
-                <a:effectLst/>
-              </a:rPr>
-              <a:t> to funkcja </a:t>
-            </a:r>
-            <a:r>
-              <a:rPr kumimoji="0" lang="pl-PL" altLang="pl-PL" sz="1000" b="0" i="0" u="none" strike="noStrike" cap="none" normalizeH="0" baseline="0">
-                <a:ln>
-                  <a:noFill/>
-                </a:ln>
-                <a:solidFill>
-                  <a:schemeClr val="tx1"/>
-                </a:solidFill>
-                <a:effectLst/>
-                <a:latin typeface="Arial Unicode MS"/>
-              </a:rPr>
-              <a:t>suspend</a:t>
-            </a:r>
-            <a:r>
-              <a:rPr kumimoji="0" lang="pl-PL" altLang="pl-PL" sz="300" b="0" i="0" u="none" strike="noStrike" cap="none" normalizeH="0" baseline="0">
-                <a:ln>
-                  <a:noFill/>
-                </a:ln>
-                <a:solidFill>
-                  <a:schemeClr val="tx1"/>
-                </a:solidFill>
-                <a:effectLst/>
-              </a:rPr>
-              <a:t>, która </a:t>
-            </a:r>
-            <a:r>
-              <a:rPr kumimoji="0" lang="pl-PL" altLang="pl-PL" sz="1800" b="1" i="0" u="none" strike="noStrike" cap="none" normalizeH="0" baseline="0">
-                <a:ln>
-                  <a:noFill/>
-                </a:ln>
-                <a:solidFill>
-                  <a:schemeClr val="tx1"/>
-                </a:solidFill>
-                <a:effectLst/>
-                <a:latin typeface="Arial" panose="020B0604020202020204" pitchFamily="34" charset="0"/>
-              </a:rPr>
-              <a:t>zawiesza</a:t>
-            </a:r>
-            <a:r>
-              <a:rPr kumimoji="0" lang="pl-PL" altLang="pl-PL" sz="1800" b="0" i="0" u="none" strike="noStrike" cap="none" normalizeH="0" baseline="0">
-                <a:ln>
-                  <a:noFill/>
-                </a:ln>
-                <a:solidFill>
-                  <a:schemeClr val="tx1"/>
-                </a:solidFill>
-                <a:effectLst/>
-                <a:latin typeface="Arial" panose="020B0604020202020204" pitchFamily="34" charset="0"/>
-              </a:rPr>
-              <a:t> korutynę, w której została wywołana (w tym przypadku rodzica), do czasu, aż </a:t>
-            </a:r>
-            <a:r>
-              <a:rPr kumimoji="0" lang="pl-PL" altLang="pl-PL" sz="1000" b="0" i="0" u="none" strike="noStrike" cap="none" normalizeH="0" baseline="0">
-                <a:ln>
-                  <a:noFill/>
-                </a:ln>
-                <a:solidFill>
-                  <a:schemeClr val="tx1"/>
-                </a:solidFill>
-                <a:effectLst/>
-                <a:latin typeface="Arial Unicode MS"/>
-              </a:rPr>
-              <a:t>job</a:t>
-            </a:r>
-            <a:r>
-              <a:rPr kumimoji="0" lang="pl-PL" altLang="pl-PL" sz="300" b="0" i="0" u="none" strike="noStrike" cap="none" normalizeH="0" baseline="0">
-                <a:ln>
-                  <a:noFill/>
-                </a:ln>
-                <a:solidFill>
-                  <a:schemeClr val="tx1"/>
-                </a:solidFill>
-                <a:effectLst/>
-              </a:rPr>
-              <a:t> się zakończy.</a:t>
-            </a:r>
-            <a:endParaRPr kumimoji="0" lang="pl-PL" altLang="pl-PL" sz="1800" b="0" i="0" u="none" strike="noStrike" cap="none" normalizeH="0" baseline="0">
-              <a:ln>
-                <a:noFill/>
-              </a:ln>
-              <a:solidFill>
-                <a:schemeClr val="tx1"/>
-              </a:solidFill>
-              <a:effectLst/>
-              <a:latin typeface="Arial" panose="020B0604020202020204" pitchFamily="34" charset="0"/>
-            </a:endParaRPr>
           </a:p>
         </p:txBody>
       </p:sp>
